--- a/Slides/Lecture 9-4.pptx
+++ b/Slides/Lecture 9-4.pptx
@@ -220,7 +220,7 @@
             <a:fld id="{A6781D3C-003D-4837-A496-9A32CDA8003A}" type="datetimeFigureOut">
               <a:rPr lang="en-US" smtClean="0"/>
               <a:pPr/>
-              <a:t>2/12/19</a:t>
+              <a:t>2/11/2019</a:t>
             </a:fld>
             <a:endParaRPr lang="en-US"/>
           </a:p>
@@ -284,37 +284,38 @@
           <a:p>
             <a:pPr lvl="0"/>
             <a:r>
-              <a:rPr lang="en-US"/>
+              <a:rPr lang="en-US" smtClean="0"/>
               <a:t>Click to edit Master text styles</a:t>
             </a:r>
           </a:p>
           <a:p>
             <a:pPr lvl="1"/>
             <a:r>
-              <a:rPr lang="en-US"/>
+              <a:rPr lang="en-US" smtClean="0"/>
               <a:t>Second level</a:t>
             </a:r>
           </a:p>
           <a:p>
             <a:pPr lvl="2"/>
             <a:r>
-              <a:rPr lang="en-US"/>
+              <a:rPr lang="en-US" smtClean="0"/>
               <a:t>Third level</a:t>
             </a:r>
           </a:p>
           <a:p>
             <a:pPr lvl="3"/>
             <a:r>
-              <a:rPr lang="en-US"/>
+              <a:rPr lang="en-US" smtClean="0"/>
               <a:t>Fourth level</a:t>
             </a:r>
           </a:p>
           <a:p>
             <a:pPr lvl="4"/>
             <a:r>
-              <a:rPr lang="en-US"/>
+              <a:rPr lang="en-US" smtClean="0"/>
               <a:t>Fifth level</a:t>
             </a:r>
+            <a:endParaRPr lang="en-US"/>
           </a:p>
         </p:txBody>
       </p:sp>
@@ -488,107 +489,6 @@
 </p:notesMaster>
 </file>
 
-<file path=ppt/notesSlides/notesSlide1.xml><?xml version="1.0" encoding="utf-8"?>
-<p:notes xmlns:a="http://schemas.openxmlformats.org/drawingml/2006/main" xmlns:r="http://schemas.openxmlformats.org/officeDocument/2006/relationships" xmlns:p="http://schemas.openxmlformats.org/presentationml/2006/main">
-  <p:cSld>
-    <p:spTree>
-      <p:nvGrpSpPr>
-        <p:cNvPr id="1" name=""/>
-        <p:cNvGrpSpPr/>
-        <p:nvPr/>
-      </p:nvGrpSpPr>
-      <p:grpSpPr>
-        <a:xfrm>
-          <a:off x="0" y="0"/>
-          <a:ext cx="0" cy="0"/>
-          <a:chOff x="0" y="0"/>
-          <a:chExt cx="0" cy="0"/>
-        </a:xfrm>
-      </p:grpSpPr>
-      <p:sp>
-        <p:nvSpPr>
-          <p:cNvPr id="2" name="Slide Image Placeholder 1"/>
-          <p:cNvSpPr>
-            <a:spLocks noGrp="1" noRot="1" noChangeAspect="1"/>
-          </p:cNvSpPr>
-          <p:nvPr>
-            <p:ph type="sldImg"/>
-          </p:nvPr>
-        </p:nvSpPr>
-        <p:spPr/>
-      </p:sp>
-      <p:sp>
-        <p:nvSpPr>
-          <p:cNvPr id="3" name="Notes Placeholder 2"/>
-          <p:cNvSpPr>
-            <a:spLocks noGrp="1"/>
-          </p:cNvSpPr>
-          <p:nvPr>
-            <p:ph type="body" idx="1"/>
-          </p:nvPr>
-        </p:nvSpPr>
-        <p:spPr/>
-        <p:txBody>
-          <a:bodyPr/>
-          <a:lstStyle/>
-          <a:p>
-            <a:r>
-              <a:rPr lang="en-US" dirty="0"/>
-              <a:t>Solid line for “and”, dashed line for “</a:t>
-            </a:r>
-            <a:r>
-              <a:rPr lang="en-US"/>
-              <a:t>but”.</a:t>
-            </a:r>
-          </a:p>
-          <a:p>
-            <a:endParaRPr lang="en-US" dirty="0"/>
-          </a:p>
-          <a:p>
-            <a:r>
-              <a:rPr lang="en-US" dirty="0"/>
-              <a:t>Bipartite graph.</a:t>
-            </a:r>
-          </a:p>
-        </p:txBody>
-      </p:sp>
-      <p:sp>
-        <p:nvSpPr>
-          <p:cNvPr id="4" name="Slide Number Placeholder 3"/>
-          <p:cNvSpPr>
-            <a:spLocks noGrp="1"/>
-          </p:cNvSpPr>
-          <p:nvPr>
-            <p:ph type="sldNum" sz="quarter" idx="5"/>
-          </p:nvPr>
-        </p:nvSpPr>
-        <p:spPr/>
-        <p:txBody>
-          <a:bodyPr/>
-          <a:lstStyle/>
-          <a:p>
-            <a:fld id="{6529D11D-5857-48CF-ABB8-89B8AC9FD03C}" type="slidenum">
-              <a:rPr lang="en-US" smtClean="0"/>
-              <a:pPr/>
-              <a:t>8</a:t>
-            </a:fld>
-            <a:endParaRPr lang="en-US"/>
-          </a:p>
-        </p:txBody>
-      </p:sp>
-    </p:spTree>
-    <p:extLst>
-      <p:ext uri="{BB962C8B-B14F-4D97-AF65-F5344CB8AC3E}">
-        <p14:creationId xmlns:p14="http://schemas.microsoft.com/office/powerpoint/2010/main" val="2185772251"/>
-      </p:ext>
-    </p:extLst>
-  </p:cSld>
-  <p:clrMapOvr>
-    <a:masterClrMapping/>
-  </p:clrMapOvr>
-</p:notes>
-</file>
-
 <file path=ppt/slideLayouts/slideLayout1.xml><?xml version="1.0" encoding="utf-8"?>
 <p:sldLayout xmlns:a="http://schemas.openxmlformats.org/drawingml/2006/main" xmlns:r="http://schemas.openxmlformats.org/officeDocument/2006/relationships" xmlns:p="http://schemas.openxmlformats.org/presentationml/2006/main" type="title" preserve="1">
   <p:cSld name="Title Slide">
@@ -627,9 +527,10 @@
           <a:lstStyle/>
           <a:p>
             <a:r>
-              <a:rPr lang="en-US"/>
+              <a:rPr lang="en-US" smtClean="0"/>
               <a:t>Click to edit Master title style</a:t>
             </a:r>
+            <a:endParaRPr lang="en-US"/>
           </a:p>
         </p:txBody>
       </p:sp>
@@ -691,9 +592,10 @@
           </a:lstStyle>
           <a:p>
             <a:r>
-              <a:rPr lang="en-US"/>
+              <a:rPr lang="en-US" smtClean="0"/>
               <a:t>Click to edit Master subtitle style</a:t>
             </a:r>
+            <a:endParaRPr lang="en-US"/>
           </a:p>
         </p:txBody>
       </p:sp>
@@ -799,6 +701,13 @@
   <p:clrMapOvr>
     <a:masterClrMapping/>
   </p:clrMapOvr>
+  <p:timing>
+    <p:tnLst>
+      <p:par>
+        <p:cTn id="1" dur="indefinite" restart="never" nodeType="tmRoot"/>
+      </p:par>
+    </p:tnLst>
+  </p:timing>
 </p:sldLayout>
 </file>
 
@@ -853,7 +762,7 @@
           </a:lstStyle>
           <a:p>
             <a:r>
-              <a:rPr lang="en-US"/>
+              <a:rPr lang="en-US" smtClean="0"/>
               <a:t>Click to edit Master title style</a:t>
             </a:r>
             <a:endParaRPr lang="en-US" dirty="0"/>
@@ -928,35 +837,35 @@
           <a:p>
             <a:pPr lvl="0"/>
             <a:r>
-              <a:rPr lang="en-US"/>
+              <a:rPr lang="en-US" smtClean="0"/>
               <a:t>Click to edit Master text styles</a:t>
             </a:r>
           </a:p>
           <a:p>
             <a:pPr lvl="1"/>
             <a:r>
-              <a:rPr lang="en-US"/>
+              <a:rPr lang="en-US" smtClean="0"/>
               <a:t>Second level</a:t>
             </a:r>
           </a:p>
           <a:p>
             <a:pPr lvl="2"/>
             <a:r>
-              <a:rPr lang="en-US"/>
+              <a:rPr lang="en-US" smtClean="0"/>
               <a:t>Third level</a:t>
             </a:r>
           </a:p>
           <a:p>
             <a:pPr lvl="3"/>
             <a:r>
-              <a:rPr lang="en-US"/>
+              <a:rPr lang="en-US" smtClean="0"/>
               <a:t>Fourth level</a:t>
             </a:r>
           </a:p>
           <a:p>
             <a:pPr lvl="4"/>
             <a:r>
-              <a:rPr lang="en-US"/>
+              <a:rPr lang="en-US" smtClean="0"/>
               <a:t>Fifth level</a:t>
             </a:r>
             <a:endParaRPr lang="en-US" dirty="0"/>
@@ -1028,7 +937,7 @@
           <a:p>
             <a:pPr lvl="0"/>
             <a:r>
-              <a:rPr lang="en-US"/>
+              <a:rPr lang="en-US" smtClean="0"/>
               <a:t>Click to edit Master text styles</a:t>
             </a:r>
           </a:p>
@@ -1098,7 +1007,7 @@
           </a:lstStyle>
           <a:p>
             <a:r>
-              <a:rPr lang="en-US"/>
+              <a:rPr lang="en-US" smtClean="0"/>
               <a:t>Click to edit Master title style</a:t>
             </a:r>
             <a:endParaRPr lang="en-US" dirty="0"/>
@@ -1163,9 +1072,10 @@
           </a:lstStyle>
           <a:p>
             <a:r>
-              <a:rPr lang="en-US"/>
+              <a:rPr lang="en-US" smtClean="0"/>
               <a:t>Click icon to add picture</a:t>
             </a:r>
+            <a:endParaRPr lang="en-US"/>
           </a:p>
         </p:txBody>
       </p:sp>
@@ -1234,7 +1144,7 @@
           <a:p>
             <a:pPr lvl="0"/>
             <a:r>
-              <a:rPr lang="en-US"/>
+              <a:rPr lang="en-US" smtClean="0"/>
               <a:t>Click to edit Master text styles</a:t>
             </a:r>
           </a:p>
@@ -1293,9 +1203,10 @@
           </a:lstStyle>
           <a:p>
             <a:r>
-              <a:rPr lang="en-US" dirty="0"/>
+              <a:rPr lang="en-US" dirty="0" smtClean="0"/>
               <a:t>Click to edit Master title style</a:t>
             </a:r>
+            <a:endParaRPr lang="en-US" dirty="0"/>
           </a:p>
         </p:txBody>
       </p:sp>
@@ -1347,37 +1258,38 @@
           <a:p>
             <a:pPr lvl="0"/>
             <a:r>
-              <a:rPr lang="en-US" dirty="0"/>
+              <a:rPr lang="en-US" dirty="0" smtClean="0"/>
               <a:t>Click to edit Master text styles</a:t>
             </a:r>
           </a:p>
           <a:p>
             <a:pPr lvl="1"/>
             <a:r>
-              <a:rPr lang="en-US" dirty="0"/>
+              <a:rPr lang="en-US" dirty="0" smtClean="0"/>
               <a:t>Second level</a:t>
             </a:r>
           </a:p>
           <a:p>
             <a:pPr lvl="2"/>
             <a:r>
-              <a:rPr lang="en-US" dirty="0"/>
+              <a:rPr lang="en-US" dirty="0" smtClean="0"/>
               <a:t>Third level</a:t>
             </a:r>
           </a:p>
           <a:p>
             <a:pPr lvl="3"/>
             <a:r>
-              <a:rPr lang="en-US" dirty="0"/>
+              <a:rPr lang="en-US" dirty="0" smtClean="0"/>
               <a:t>Fourth level</a:t>
             </a:r>
           </a:p>
           <a:p>
             <a:pPr lvl="4"/>
             <a:r>
-              <a:rPr lang="en-US" dirty="0"/>
+              <a:rPr lang="en-US" dirty="0" smtClean="0"/>
               <a:t>Fifth level</a:t>
             </a:r>
+            <a:endParaRPr lang="en-US" dirty="0"/>
           </a:p>
         </p:txBody>
       </p:sp>
@@ -1650,6 +1562,13 @@
   <p:clrMapOvr>
     <a:masterClrMapping/>
   </p:clrMapOvr>
+  <p:timing>
+    <p:tnLst>
+      <p:par>
+        <p:cTn id="1" dur="indefinite" restart="never" nodeType="tmRoot"/>
+      </p:par>
+    </p:tnLst>
+  </p:timing>
 </p:sldLayout>
 </file>
 
@@ -1718,9 +1637,10 @@
           </a:lstStyle>
           <a:p>
             <a:r>
-              <a:rPr lang="en-US" dirty="0"/>
+              <a:rPr lang="en-US" dirty="0" smtClean="0"/>
               <a:t>Click to edit Master title style</a:t>
             </a:r>
+            <a:endParaRPr lang="en-US" dirty="0"/>
           </a:p>
         </p:txBody>
       </p:sp>
@@ -1845,9 +1765,10 @@
           </a:lstStyle>
           <a:p>
             <a:r>
-              <a:rPr lang="en-US" dirty="0"/>
+              <a:rPr lang="en-US" dirty="0" smtClean="0"/>
               <a:t>Click to edit Master subtitle style</a:t>
             </a:r>
+            <a:endParaRPr lang="en-US" dirty="0"/>
           </a:p>
         </p:txBody>
       </p:sp>
@@ -1922,9 +1843,10 @@
           </a:lstStyle>
           <a:p>
             <a:r>
-              <a:rPr lang="en-US" dirty="0"/>
+              <a:rPr lang="en-US" dirty="0" smtClean="0"/>
               <a:t>Click to edit Master title style</a:t>
             </a:r>
+            <a:endParaRPr lang="en-US" dirty="0"/>
           </a:p>
         </p:txBody>
       </p:sp>
@@ -1950,35 +1872,35 @@
           <a:p>
             <a:pPr lvl="0"/>
             <a:r>
-              <a:rPr lang="en-US"/>
+              <a:rPr lang="en-US" smtClean="0"/>
               <a:t>Click to edit Master text styles</a:t>
             </a:r>
           </a:p>
           <a:p>
             <a:pPr lvl="1"/>
             <a:r>
-              <a:rPr lang="en-US"/>
+              <a:rPr lang="en-US" smtClean="0"/>
               <a:t>Second level</a:t>
             </a:r>
           </a:p>
           <a:p>
             <a:pPr lvl="2"/>
             <a:r>
-              <a:rPr lang="en-US"/>
+              <a:rPr lang="en-US" smtClean="0"/>
               <a:t>Third level</a:t>
             </a:r>
           </a:p>
           <a:p>
             <a:pPr lvl="3"/>
             <a:r>
-              <a:rPr lang="en-US"/>
+              <a:rPr lang="en-US" smtClean="0"/>
               <a:t>Fourth level</a:t>
             </a:r>
           </a:p>
           <a:p>
             <a:pPr lvl="4"/>
             <a:r>
-              <a:rPr lang="en-US"/>
+              <a:rPr lang="en-US" smtClean="0"/>
               <a:t>Fifth level</a:t>
             </a:r>
             <a:endParaRPr lang="en-US" dirty="0"/>
@@ -2047,7 +1969,7 @@
           </a:lstStyle>
           <a:p>
             <a:r>
-              <a:rPr lang="en-US"/>
+              <a:rPr lang="en-US" smtClean="0"/>
               <a:t>Click to edit Master title style</a:t>
             </a:r>
             <a:endParaRPr lang="en-US" dirty="0"/>
@@ -2167,7 +2089,7 @@
           <a:p>
             <a:pPr lvl="0"/>
             <a:r>
-              <a:rPr lang="en-US"/>
+              <a:rPr lang="en-US" smtClean="0"/>
               <a:t>Click to edit Master text styles</a:t>
             </a:r>
           </a:p>
@@ -2237,7 +2159,7 @@
           </a:lstStyle>
           <a:p>
             <a:r>
-              <a:rPr lang="en-US"/>
+              <a:rPr lang="en-US" smtClean="0"/>
               <a:t>Click to edit Master title style</a:t>
             </a:r>
             <a:endParaRPr lang="en-US" dirty="0"/>
@@ -2312,35 +2234,35 @@
           <a:p>
             <a:pPr lvl="0"/>
             <a:r>
-              <a:rPr lang="en-US"/>
+              <a:rPr lang="en-US" smtClean="0"/>
               <a:t>Click to edit Master text styles</a:t>
             </a:r>
           </a:p>
           <a:p>
             <a:pPr lvl="1"/>
             <a:r>
-              <a:rPr lang="en-US"/>
+              <a:rPr lang="en-US" smtClean="0"/>
               <a:t>Second level</a:t>
             </a:r>
           </a:p>
           <a:p>
             <a:pPr lvl="2"/>
             <a:r>
-              <a:rPr lang="en-US"/>
+              <a:rPr lang="en-US" smtClean="0"/>
               <a:t>Third level</a:t>
             </a:r>
           </a:p>
           <a:p>
             <a:pPr lvl="3"/>
             <a:r>
-              <a:rPr lang="en-US"/>
+              <a:rPr lang="en-US" smtClean="0"/>
               <a:t>Fourth level</a:t>
             </a:r>
           </a:p>
           <a:p>
             <a:pPr lvl="4"/>
             <a:r>
-              <a:rPr lang="en-US"/>
+              <a:rPr lang="en-US" smtClean="0"/>
               <a:t>Fifth level</a:t>
             </a:r>
             <a:endParaRPr lang="en-US" dirty="0"/>
@@ -2415,35 +2337,35 @@
           <a:p>
             <a:pPr lvl="0"/>
             <a:r>
-              <a:rPr lang="en-US"/>
+              <a:rPr lang="en-US" smtClean="0"/>
               <a:t>Click to edit Master text styles</a:t>
             </a:r>
           </a:p>
           <a:p>
             <a:pPr lvl="1"/>
             <a:r>
-              <a:rPr lang="en-US"/>
+              <a:rPr lang="en-US" smtClean="0"/>
               <a:t>Second level</a:t>
             </a:r>
           </a:p>
           <a:p>
             <a:pPr lvl="2"/>
             <a:r>
-              <a:rPr lang="en-US"/>
+              <a:rPr lang="en-US" smtClean="0"/>
               <a:t>Third level</a:t>
             </a:r>
           </a:p>
           <a:p>
             <a:pPr lvl="3"/>
             <a:r>
-              <a:rPr lang="en-US"/>
+              <a:rPr lang="en-US" smtClean="0"/>
               <a:t>Fourth level</a:t>
             </a:r>
           </a:p>
           <a:p>
             <a:pPr lvl="4"/>
             <a:r>
-              <a:rPr lang="en-US"/>
+              <a:rPr lang="en-US" smtClean="0"/>
               <a:t>Fifth level</a:t>
             </a:r>
             <a:endParaRPr lang="en-US" dirty="0"/>
@@ -2514,7 +2436,7 @@
           </a:lstStyle>
           <a:p>
             <a:r>
-              <a:rPr lang="en-US"/>
+              <a:rPr lang="en-US" smtClean="0"/>
               <a:t>Click to edit Master title style</a:t>
             </a:r>
             <a:endParaRPr lang="en-US" dirty="0"/>
@@ -2589,7 +2511,7 @@
           <a:p>
             <a:pPr lvl="0"/>
             <a:r>
-              <a:rPr lang="en-US"/>
+              <a:rPr lang="en-US" smtClean="0"/>
               <a:t>Click to edit Master text styles</a:t>
             </a:r>
           </a:p>
@@ -2660,35 +2582,35 @@
           <a:p>
             <a:pPr lvl="0"/>
             <a:r>
-              <a:rPr lang="en-US"/>
+              <a:rPr lang="en-US" smtClean="0"/>
               <a:t>Click to edit Master text styles</a:t>
             </a:r>
           </a:p>
           <a:p>
             <a:pPr lvl="1"/>
             <a:r>
-              <a:rPr lang="en-US"/>
+              <a:rPr lang="en-US" smtClean="0"/>
               <a:t>Second level</a:t>
             </a:r>
           </a:p>
           <a:p>
             <a:pPr lvl="2"/>
             <a:r>
-              <a:rPr lang="en-US"/>
+              <a:rPr lang="en-US" smtClean="0"/>
               <a:t>Third level</a:t>
             </a:r>
           </a:p>
           <a:p>
             <a:pPr lvl="3"/>
             <a:r>
-              <a:rPr lang="en-US"/>
+              <a:rPr lang="en-US" smtClean="0"/>
               <a:t>Fourth level</a:t>
             </a:r>
           </a:p>
           <a:p>
             <a:pPr lvl="4"/>
             <a:r>
-              <a:rPr lang="en-US"/>
+              <a:rPr lang="en-US" smtClean="0"/>
               <a:t>Fifth level</a:t>
             </a:r>
             <a:endParaRPr lang="en-US" dirty="0"/>
@@ -2763,7 +2685,7 @@
           <a:p>
             <a:pPr lvl="0"/>
             <a:r>
-              <a:rPr lang="en-US"/>
+              <a:rPr lang="en-US" smtClean="0"/>
               <a:t>Click to edit Master text styles</a:t>
             </a:r>
           </a:p>
@@ -2834,35 +2756,35 @@
           <a:p>
             <a:pPr lvl="0"/>
             <a:r>
-              <a:rPr lang="en-US"/>
+              <a:rPr lang="en-US" smtClean="0"/>
               <a:t>Click to edit Master text styles</a:t>
             </a:r>
           </a:p>
           <a:p>
             <a:pPr lvl="1"/>
             <a:r>
-              <a:rPr lang="en-US"/>
+              <a:rPr lang="en-US" smtClean="0"/>
               <a:t>Second level</a:t>
             </a:r>
           </a:p>
           <a:p>
             <a:pPr lvl="2"/>
             <a:r>
-              <a:rPr lang="en-US"/>
+              <a:rPr lang="en-US" smtClean="0"/>
               <a:t>Third level</a:t>
             </a:r>
           </a:p>
           <a:p>
             <a:pPr lvl="3"/>
             <a:r>
-              <a:rPr lang="en-US"/>
+              <a:rPr lang="en-US" smtClean="0"/>
               <a:t>Fourth level</a:t>
             </a:r>
           </a:p>
           <a:p>
             <a:pPr lvl="4"/>
             <a:r>
-              <a:rPr lang="en-US"/>
+              <a:rPr lang="en-US" smtClean="0"/>
               <a:t>Fifth level</a:t>
             </a:r>
             <a:endParaRPr lang="en-US" dirty="0"/>
@@ -2933,7 +2855,7 @@
           </a:lstStyle>
           <a:p>
             <a:r>
-              <a:rPr lang="en-US"/>
+              <a:rPr lang="en-US" smtClean="0"/>
               <a:t>Click to edit Master title style</a:t>
             </a:r>
             <a:endParaRPr lang="en-US" dirty="0"/>
@@ -3094,7 +3016,7 @@
           <a:p>
             <a:pPr lvl="0"/>
             <a:r>
-              <a:rPr lang="en-US" dirty="0"/>
+              <a:rPr lang="en-US" dirty="0" smtClean="0"/>
               <a:t>Click to edit Master title style</a:t>
             </a:r>
           </a:p>
@@ -3136,35 +3058,35 @@
           <a:p>
             <a:pPr lvl="0"/>
             <a:r>
-              <a:rPr lang="en-US" dirty="0"/>
+              <a:rPr lang="en-US" dirty="0" smtClean="0"/>
               <a:t>Click to edit Master text styles</a:t>
             </a:r>
           </a:p>
           <a:p>
             <a:pPr lvl="1"/>
             <a:r>
-              <a:rPr lang="en-US" dirty="0"/>
+              <a:rPr lang="en-US" dirty="0" smtClean="0"/>
               <a:t>Second level</a:t>
             </a:r>
           </a:p>
           <a:p>
             <a:pPr lvl="2"/>
             <a:r>
-              <a:rPr lang="en-US" dirty="0"/>
+              <a:rPr lang="en-US" dirty="0" smtClean="0"/>
               <a:t>Third level</a:t>
             </a:r>
           </a:p>
           <a:p>
             <a:pPr lvl="3"/>
             <a:r>
-              <a:rPr lang="en-US" dirty="0"/>
+              <a:rPr lang="en-US" dirty="0" smtClean="0"/>
               <a:t>Fourth level</a:t>
             </a:r>
           </a:p>
           <a:p>
             <a:pPr lvl="4"/>
             <a:r>
-              <a:rPr lang="en-US" dirty="0"/>
+              <a:rPr lang="en-US" dirty="0" smtClean="0"/>
               <a:t>Fifth level</a:t>
             </a:r>
           </a:p>
@@ -3840,35 +3762,35 @@
           <a:p>
             <a:pPr lvl="0"/>
             <a:r>
-              <a:rPr lang="en-US"/>
+              <a:rPr lang="en-US" smtClean="0"/>
               <a:t>Click to edit Master text styles</a:t>
             </a:r>
           </a:p>
           <a:p>
             <a:pPr lvl="1"/>
             <a:r>
-              <a:rPr lang="en-US"/>
+              <a:rPr lang="en-US" smtClean="0"/>
               <a:t>Second level</a:t>
             </a:r>
           </a:p>
           <a:p>
             <a:pPr lvl="2"/>
             <a:r>
-              <a:rPr lang="en-US"/>
+              <a:rPr lang="en-US" smtClean="0"/>
               <a:t>Third level</a:t>
             </a:r>
           </a:p>
           <a:p>
             <a:pPr lvl="3"/>
             <a:r>
-              <a:rPr lang="en-US"/>
+              <a:rPr lang="en-US" smtClean="0"/>
               <a:t>Fourth level</a:t>
             </a:r>
           </a:p>
           <a:p>
             <a:pPr lvl="4"/>
             <a:r>
-              <a:rPr lang="en-US"/>
+              <a:rPr lang="en-US" smtClean="0"/>
               <a:t>Fifth level</a:t>
             </a:r>
             <a:endParaRPr lang="en-US" dirty="0"/>
@@ -3894,6 +3816,13 @@
     <p:sldLayoutId id="2147483695" r:id="rId8"/>
     <p:sldLayoutId id="2147483696" r:id="rId9"/>
   </p:sldLayoutIdLst>
+  <p:timing>
+    <p:tnLst>
+      <p:par>
+        <p:cTn id="1" dur="indefinite" restart="never" nodeType="tmRoot"/>
+      </p:par>
+    </p:tnLst>
+  </p:timing>
   <p:txStyles>
     <p:titleStyle>
       <a:lvl1pPr algn="ctr" defTabSz="457200" rtl="0" eaLnBrk="1" latinLnBrk="0" hangingPunct="1">
@@ -4193,11 +4122,14 @@
           <a:lstStyle/>
           <a:p>
             <a:r>
-              <a:rPr lang="en-US" sz="18000" dirty="0">
+              <a:rPr lang="en-US" sz="18000" dirty="0" smtClean="0">
                 <a:latin typeface="Rockwell Extra Bold" panose="02060903040505020403" pitchFamily="18" charset="0"/>
               </a:rPr>
               <a:t>NLP</a:t>
             </a:r>
+            <a:endParaRPr lang="en-US" sz="18000" dirty="0">
+              <a:latin typeface="Rockwell Extra Bold" panose="02060903040505020403" pitchFamily="18" charset="0"/>
+            </a:endParaRPr>
           </a:p>
         </p:txBody>
       </p:sp>
@@ -4211,6 +4143,13 @@
   <p:clrMapOvr>
     <a:masterClrMapping/>
   </p:clrMapOvr>
+  <p:timing>
+    <p:tnLst>
+      <p:par>
+        <p:cTn id="1" dur="indefinite" restart="never" nodeType="tmRoot"/>
+      </p:par>
+    </p:tnLst>
+  </p:timing>
 </p:sld>
 </file>
 
@@ -4247,9 +4186,10 @@
           <a:lstStyle/>
           <a:p>
             <a:r>
-              <a:rPr lang="en-US" dirty="0"/>
+              <a:rPr lang="en-US" dirty="0" smtClean="0"/>
               <a:t>Datasets</a:t>
             </a:r>
+            <a:endParaRPr lang="en-US" dirty="0"/>
           </a:p>
         </p:txBody>
       </p:sp>
@@ -4277,9 +4217,15 @@
               <a:rPr lang="en-US" dirty="0">
                 <a:hlinkClick r:id="rId2"/>
               </a:rPr>
-              <a:t>http://www.cs.cornell.edu/people/pabo/movie-review-data/</a:t>
-            </a:r>
-            <a:endParaRPr lang="en-US" dirty="0"/>
+              <a:t>http://www.cs.cornell.edu/people/pabo/movie-review-data</a:t>
+            </a:r>
+            <a:r>
+              <a:rPr lang="en-US" dirty="0" smtClean="0">
+                <a:hlinkClick r:id="rId2"/>
+              </a:rPr>
+              <a:t>/</a:t>
+            </a:r>
+            <a:endParaRPr lang="en-US" dirty="0" smtClean="0"/>
           </a:p>
           <a:p>
             <a:r>
@@ -4295,10 +4241,22 @@
           </a:p>
           <a:p>
             <a:r>
+              <a:rPr lang="en-US" dirty="0" smtClean="0">
+                <a:hlinkClick r:id="rId3"/>
+              </a:rPr>
+              <a:t>http</a:t>
+            </a:r>
+            <a:r>
               <a:rPr lang="en-US" dirty="0">
                 <a:hlinkClick r:id="rId3"/>
               </a:rPr>
-              <a:t>http://help.sentiment140.com/other-resources</a:t>
+              <a:t>://</a:t>
+            </a:r>
+            <a:r>
+              <a:rPr lang="en-US" dirty="0" smtClean="0">
+                <a:hlinkClick r:id="rId3"/>
+              </a:rPr>
+              <a:t>help.sentiment140.com/other-resources</a:t>
             </a:r>
           </a:p>
           <a:p>
@@ -4306,11 +4264,20 @@
               <a:rPr lang="en-US" dirty="0">
                 <a:hlinkClick r:id="rId3"/>
               </a:rPr>
-              <a:t>https://blog.cambridgespark.com/50-free-machine-learning-datasets-sentiment-analysis-b9388f79c124 </a:t>
-            </a:r>
-          </a:p>
-          <a:p>
-            <a:endParaRPr lang="en-US" dirty="0">
+              <a:t>https://</a:t>
+            </a:r>
+            <a:r>
+              <a:rPr lang="en-US" dirty="0" smtClean="0">
+                <a:hlinkClick r:id="rId3"/>
+              </a:rPr>
+              <a:t>blog.cambridgespark.com/50-free-machine-learning-datasets-sentiment-analysis-b9388f79c124 </a:t>
+            </a:r>
+            <a:endParaRPr lang="en-US" dirty="0" smtClean="0">
+              <a:hlinkClick r:id="rId3"/>
+            </a:endParaRPr>
+          </a:p>
+          <a:p>
+            <a:endParaRPr lang="en-US" dirty="0" smtClean="0">
               <a:hlinkClick r:id="rId3"/>
             </a:endParaRPr>
           </a:p>
@@ -4334,6 +4301,21 @@
   <p:clrMapOvr>
     <a:masterClrMapping/>
   </p:clrMapOvr>
+  <mc:AlternateContent xmlns:mc="http://schemas.openxmlformats.org/markup-compatibility/2006">
+    <mc:Choice xmlns:p14="http://schemas.microsoft.com/office/powerpoint/2010/main" Requires="p14">
+      <p:transition spd="slow" p14:dur="2000"/>
+    </mc:Choice>
+    <mc:Fallback>
+      <p:transition spd="slow"/>
+    </mc:Fallback>
+  </mc:AlternateContent>
+  <p:timing>
+    <p:tnLst>
+      <p:par>
+        <p:cTn id="1" dur="indefinite" restart="never" nodeType="tmRoot"/>
+      </p:par>
+    </p:tnLst>
+  </p:timing>
 </p:sld>
 </file>
 
@@ -4375,11 +4357,14 @@
           <a:lstStyle/>
           <a:p>
             <a:r>
-              <a:rPr lang="en-US" sz="18000" dirty="0">
+              <a:rPr lang="en-US" sz="18000" dirty="0" smtClean="0">
                 <a:latin typeface="Rockwell Extra Bold" panose="02060903040505020403" pitchFamily="18" charset="0"/>
               </a:rPr>
               <a:t>NLP</a:t>
             </a:r>
+            <a:endParaRPr lang="en-US" sz="18000" dirty="0">
+              <a:latin typeface="Rockwell Extra Bold" panose="02060903040505020403" pitchFamily="18" charset="0"/>
+            </a:endParaRPr>
           </a:p>
         </p:txBody>
       </p:sp>
@@ -4393,6 +4378,13 @@
   <p:clrMapOvr>
     <a:masterClrMapping/>
   </p:clrMapOvr>
+  <p:timing>
+    <p:tnLst>
+      <p:par>
+        <p:cTn id="1" dur="indefinite" restart="never" nodeType="tmRoot"/>
+      </p:par>
+    </p:tnLst>
+  </p:timing>
 </p:sld>
 </file>
 
@@ -4429,9 +4421,10 @@
           <a:lstStyle/>
           <a:p>
             <a:r>
-              <a:rPr lang="en-US" dirty="0"/>
+              <a:rPr lang="en-US" dirty="0" smtClean="0"/>
               <a:t>Introduction to NLP</a:t>
             </a:r>
+            <a:endParaRPr lang="en-US" dirty="0"/>
           </a:p>
         </p:txBody>
       </p:sp>
@@ -4451,9 +4444,10 @@
           <a:lstStyle/>
           <a:p>
             <a:r>
-              <a:rPr lang="en-US" dirty="0"/>
+              <a:rPr lang="en-US" dirty="0" smtClean="0"/>
               <a:t>Sentiment Lexicons</a:t>
             </a:r>
+            <a:endParaRPr lang="en-US" dirty="0"/>
           </a:p>
         </p:txBody>
       </p:sp>
@@ -4467,6 +4461,13 @@
   <p:clrMapOvr>
     <a:masterClrMapping/>
   </p:clrMapOvr>
+  <p:timing>
+    <p:tnLst>
+      <p:par>
+        <p:cTn id="1" dur="indefinite" restart="never" nodeType="tmRoot"/>
+      </p:par>
+    </p:tnLst>
+  </p:timing>
 </p:sld>
 </file>
 
@@ -4503,9 +4504,10 @@
           <a:lstStyle/>
           <a:p>
             <a:r>
-              <a:rPr lang="en-US" dirty="0"/>
+              <a:rPr lang="en-US" dirty="0" smtClean="0"/>
               <a:t>Sentiment Lexicons</a:t>
             </a:r>
+            <a:endParaRPr lang="en-US" dirty="0"/>
           </a:p>
         </p:txBody>
       </p:sp>
@@ -4537,7 +4539,7 @@
               </a:lnSpc>
             </a:pPr>
             <a:r>
-              <a:rPr lang="en-US" dirty="0"/>
+              <a:rPr lang="en-US" dirty="0" smtClean="0"/>
               <a:t>SentiWordNet</a:t>
             </a:r>
           </a:p>
@@ -4548,12 +4550,12 @@
               </a:lnSpc>
             </a:pPr>
             <a:r>
-              <a:rPr lang="en-US" altLang="en-US" dirty="0">
+              <a:rPr lang="en-US" altLang="en-US" dirty="0" smtClean="0">
                 <a:hlinkClick r:id="rId2"/>
               </a:rPr>
               <a:t>http://sentiwordnet.isti.cnr.it/</a:t>
             </a:r>
-            <a:endParaRPr lang="en-US" altLang="en-US" dirty="0"/>
+            <a:endParaRPr lang="en-US" altLang="en-US" dirty="0" smtClean="0"/>
           </a:p>
           <a:p>
             <a:pPr>
@@ -4562,7 +4564,7 @@
               </a:lnSpc>
             </a:pPr>
             <a:r>
-              <a:rPr lang="en-US" altLang="en-US" dirty="0"/>
+              <a:rPr lang="en-US" altLang="en-US" dirty="0" smtClean="0"/>
               <a:t>General Inquirer</a:t>
             </a:r>
           </a:p>
@@ -4573,7 +4575,7 @@
               </a:lnSpc>
             </a:pPr>
             <a:r>
-              <a:rPr lang="en-US" altLang="en-US" dirty="0"/>
+              <a:rPr lang="en-US" altLang="en-US" dirty="0" smtClean="0"/>
               <a:t>2,000 positive words and 2,000 negative words</a:t>
             </a:r>
           </a:p>
@@ -4584,13 +4586,13 @@
               </a:lnSpc>
             </a:pPr>
             <a:r>
-              <a:rPr lang="en-US" altLang="en-US" dirty="0">
+              <a:rPr lang="en-US" altLang="en-US" dirty="0" smtClean="0">
                 <a:hlinkClick r:id="rId3"/>
               </a:rPr>
               <a:t>http://www.wjh.harvard.edu/~inquirer/</a:t>
             </a:r>
             <a:r>
-              <a:rPr lang="en-US" altLang="en-US" dirty="0"/>
+              <a:rPr lang="en-US" altLang="en-US" dirty="0" smtClean="0"/>
               <a:t> </a:t>
             </a:r>
           </a:p>
@@ -4601,7 +4603,7 @@
               </a:lnSpc>
             </a:pPr>
             <a:r>
-              <a:rPr lang="en-US" altLang="en-US" dirty="0"/>
+              <a:rPr lang="en-US" altLang="en-US" dirty="0" smtClean="0"/>
               <a:t>LIWC</a:t>
             </a:r>
           </a:p>
@@ -4612,13 +4614,25 @@
               </a:lnSpc>
             </a:pPr>
             <a:r>
+              <a:rPr lang="pl-PL" dirty="0" smtClean="0">
+                <a:hlinkClick r:id="rId4"/>
+              </a:rPr>
+              <a:t>http</a:t>
+            </a:r>
+            <a:r>
               <a:rPr lang="pl-PL" dirty="0">
                 <a:hlinkClick r:id="rId4"/>
               </a:rPr>
-              <a:t>http://liwc.wpengine.com/</a:t>
-            </a:r>
-            <a:r>
-              <a:rPr lang="en-US" dirty="0"/>
+              <a:t>://liwc.wpengine.com</a:t>
+            </a:r>
+            <a:r>
+              <a:rPr lang="pl-PL" dirty="0" smtClean="0">
+                <a:hlinkClick r:id="rId4"/>
+              </a:rPr>
+              <a:t>/</a:t>
+            </a:r>
+            <a:r>
+              <a:rPr lang="en-US" dirty="0" smtClean="0"/>
               <a:t> </a:t>
             </a:r>
           </a:p>
@@ -4629,7 +4643,7 @@
               </a:lnSpc>
             </a:pPr>
             <a:r>
-              <a:rPr lang="en-US" dirty="0"/>
+              <a:rPr lang="en-US" dirty="0" smtClean="0"/>
               <a:t>Bing Liu’s opinion dataset</a:t>
             </a:r>
           </a:p>
@@ -4643,10 +4657,16 @@
               <a:rPr lang="pl-PL" dirty="0">
                 <a:hlinkClick r:id="rId5"/>
               </a:rPr>
-              <a:t>http://www.cs.uic.edu/~liub/FBS/opinion-lexicon-English.rar</a:t>
-            </a:r>
-            <a:r>
-              <a:rPr lang="en-US" dirty="0"/>
+              <a:t>http://www.cs.uic.edu/~</a:t>
+            </a:r>
+            <a:r>
+              <a:rPr lang="pl-PL" dirty="0" smtClean="0">
+                <a:hlinkClick r:id="rId5"/>
+              </a:rPr>
+              <a:t>liub/FBS/opinion-lexicon-English.rar</a:t>
+            </a:r>
+            <a:r>
+              <a:rPr lang="en-US" dirty="0" smtClean="0"/>
               <a:t> </a:t>
             </a:r>
             <a:endParaRPr lang="pl-PL" dirty="0"/>
@@ -4658,8 +4678,12 @@
               </a:lnSpc>
             </a:pPr>
             <a:r>
-              <a:rPr lang="en-US" altLang="en-US" dirty="0"/>
-              <a:t>MPQA subjectivity lexicon</a:t>
+              <a:rPr lang="en-US" altLang="en-US" dirty="0" smtClean="0"/>
+              <a:t>MPQA </a:t>
+            </a:r>
+            <a:r>
+              <a:rPr lang="en-US" altLang="en-US" dirty="0" smtClean="0"/>
+              <a:t>subjectivity lexicon</a:t>
             </a:r>
           </a:p>
           <a:p>
@@ -4669,12 +4693,12 @@
               </a:lnSpc>
             </a:pPr>
             <a:r>
-              <a:rPr lang="en-US" dirty="0">
+              <a:rPr lang="en-US" dirty="0" smtClean="0">
                 <a:hlinkClick r:id="rId6"/>
               </a:rPr>
               <a:t>http://mpqa.cs.pitt.edu/lexicons/subj_lexicon/</a:t>
             </a:r>
-            <a:endParaRPr lang="en-US" altLang="en-US" dirty="0"/>
+            <a:endParaRPr lang="en-US" altLang="en-US" dirty="0" smtClean="0"/>
           </a:p>
           <a:p>
             <a:pPr lvl="1">
@@ -4696,6 +4720,13 @@
   <p:clrMapOvr>
     <a:masterClrMapping/>
   </p:clrMapOvr>
+  <p:timing>
+    <p:tnLst>
+      <p:par>
+        <p:cTn id="1" dur="indefinite" restart="never" nodeType="tmRoot"/>
+      </p:par>
+    </p:tnLst>
+  </p:timing>
 </p:sld>
 </file>
 
@@ -4732,9 +4763,10 @@
           <a:lstStyle/>
           <a:p>
             <a:r>
-              <a:rPr lang="en-US" dirty="0"/>
+              <a:rPr lang="en-US" dirty="0" smtClean="0"/>
               <a:t>General Inquirer</a:t>
             </a:r>
+            <a:endParaRPr lang="en-US" dirty="0"/>
           </a:p>
         </p:txBody>
       </p:sp>
@@ -4766,7 +4798,7 @@
               </a:lnSpc>
             </a:pPr>
             <a:r>
-              <a:rPr lang="en-US" dirty="0"/>
+              <a:rPr lang="en-US" dirty="0" smtClean="0"/>
               <a:t>Annotations</a:t>
             </a:r>
           </a:p>
@@ -4777,9 +4809,138 @@
               </a:lnSpc>
             </a:pPr>
             <a:r>
+              <a:rPr lang="en-US" dirty="0" smtClean="0"/>
+              <a:t>Strong </a:t>
+            </a:r>
+            <a:r>
               <a:rPr lang="en-US" dirty="0"/>
-              <a:t>Strong Power Weak Submit Active Passive Pleasur Pain Feel Arousal EMOT Virtue Vice Ovrst Undrst Academ Doctrin Econ@ Exch ECON Exprsv Legal Milit Polit@ POLIT Relig Role COLL Work Ritual SocRel Race Kin@ MALE Female Nonadlt HU ANI PLACE Social Region Route Aquatic Land Sky Object Tool Food Vehicle BldgPt ComnObj NatObj BodyPt ComForm COM Say Need Goal Try Means Persist Complet Fail NatrPro Begin Vary Increas Decreas Finish Stay Rise Exert Fetch Travel Fall Think Know Causal Ought Perceiv Compare Eval@ EVAL Solve Abs@ ABS Quality Quan NUMB ORD CARD FREQ DIST Time@ TIME Space POS DIM Rel COLOR Self Our You Name Yes No Negate Intrj IAV DAV SV IPadj IndAdj PowGain PowLoss PowEnds PowAren PowCon PowCoop PowAuPt PowPt PowDoct PowAuth PowOth PowTot RcEthic RcRelig RcGain RcLoss RcEnds RcTot RspGain RspLoss RspOth RspTot AffGain AffLoss AffPt AffOth AffTot WltPt WltTran WltOth WltTot WlbGain WlbLoss WlbPhys WlbPsyc WlbPt WlbTot EnlGain EnlLoss EnlEnds EnlPt EnlOth EnlTot SklAsth SklPt SklOth SklTot TrnGain TrnLoss TranLw MeansLw EndsLw ArenaLw PtLw Nation Anomie NegAff PosAff SureLw If NotLw TimeSpc</a:t>
-            </a:r>
+              <a:t>Power Weak Submit Active Passive Pleasur Pain Feel </a:t>
+            </a:r>
+            <a:r>
+              <a:rPr lang="en-US" dirty="0" smtClean="0"/>
+              <a:t>Arousal EMOT </a:t>
+            </a:r>
+            <a:r>
+              <a:rPr lang="en-US" dirty="0"/>
+              <a:t>Virtue Vice Ovrst Undrst Academ Doctrin Econ@ Exch </a:t>
+            </a:r>
+            <a:r>
+              <a:rPr lang="en-US" dirty="0" smtClean="0"/>
+              <a:t>ECON Exprsv </a:t>
+            </a:r>
+            <a:r>
+              <a:rPr lang="en-US" dirty="0"/>
+              <a:t>Legal Milit Polit@ POLIT Relig Role COLL Work </a:t>
+            </a:r>
+            <a:r>
+              <a:rPr lang="en-US" dirty="0" smtClean="0"/>
+              <a:t>Ritual SocRel </a:t>
+            </a:r>
+            <a:r>
+              <a:rPr lang="en-US" dirty="0"/>
+              <a:t>Race Kin@ MALE Female Nonadlt HU ANI PLACE </a:t>
+            </a:r>
+            <a:r>
+              <a:rPr lang="en-US" dirty="0" smtClean="0"/>
+              <a:t>Social Region </a:t>
+            </a:r>
+            <a:r>
+              <a:rPr lang="en-US" dirty="0"/>
+              <a:t>Route Aquatic Land Sky Object Tool Food Vehicle </a:t>
+            </a:r>
+            <a:r>
+              <a:rPr lang="en-US" dirty="0" smtClean="0"/>
+              <a:t>BldgPt ComnObj </a:t>
+            </a:r>
+            <a:r>
+              <a:rPr lang="en-US" dirty="0"/>
+              <a:t>NatObj BodyPt ComForm COM Say Need Goal Try </a:t>
+            </a:r>
+            <a:r>
+              <a:rPr lang="en-US" dirty="0" smtClean="0"/>
+              <a:t>Means Persist </a:t>
+            </a:r>
+            <a:r>
+              <a:rPr lang="en-US" dirty="0"/>
+              <a:t>Complet Fail NatrPro Begin Vary Increas Decreas Finish </a:t>
+            </a:r>
+            <a:r>
+              <a:rPr lang="en-US" dirty="0" smtClean="0"/>
+              <a:t>Stay Rise </a:t>
+            </a:r>
+            <a:r>
+              <a:rPr lang="en-US" dirty="0"/>
+              <a:t>Exert Fetch Travel Fall Think Know Causal Ought </a:t>
+            </a:r>
+            <a:r>
+              <a:rPr lang="en-US" dirty="0" smtClean="0"/>
+              <a:t>Perceiv Compare </a:t>
+            </a:r>
+            <a:r>
+              <a:rPr lang="en-US" dirty="0"/>
+              <a:t>Eval@ EVAL Solve Abs@ ABS Quality Quan NUMB </a:t>
+            </a:r>
+            <a:r>
+              <a:rPr lang="en-US" dirty="0" smtClean="0"/>
+              <a:t>ORD CARD FREQ DIST Time@ TIME Space POS DIM Rel COLOR Self Our You Name Yes No Negate Intrj IAV DAV SV </a:t>
+            </a:r>
+            <a:r>
+              <a:rPr lang="en-US" dirty="0"/>
+              <a:t>IPadj IndAdj PowGain PowLoss PowEnds PowAren PowCon PowCoop </a:t>
+            </a:r>
+            <a:r>
+              <a:rPr lang="en-US" dirty="0" smtClean="0"/>
+              <a:t>PowAuPt PowPt </a:t>
+            </a:r>
+            <a:r>
+              <a:rPr lang="en-US" dirty="0"/>
+              <a:t>PowDoct PowAuth PowOth PowTot RcEthic RcRelig RcGain RcLoss </a:t>
+            </a:r>
+            <a:r>
+              <a:rPr lang="en-US" dirty="0" smtClean="0"/>
+              <a:t>RcEnds RcTot </a:t>
+            </a:r>
+            <a:r>
+              <a:rPr lang="en-US" dirty="0"/>
+              <a:t>RspGain RspLoss RspOth RspTot AffGain AffLoss AffPt AffOth </a:t>
+            </a:r>
+            <a:r>
+              <a:rPr lang="en-US" dirty="0" smtClean="0"/>
+              <a:t>AffTot WltPt </a:t>
+            </a:r>
+            <a:r>
+              <a:rPr lang="en-US" dirty="0"/>
+              <a:t>WltTran WltOth WltTot WlbGain WlbLoss WlbPhys WlbPsyc WlbPt </a:t>
+            </a:r>
+            <a:r>
+              <a:rPr lang="en-US" dirty="0" smtClean="0"/>
+              <a:t>WlbTot EnlGain </a:t>
+            </a:r>
+            <a:r>
+              <a:rPr lang="en-US" dirty="0"/>
+              <a:t>EnlLoss EnlEnds EnlPt EnlOth EnlTot SklAsth SklPt SklOth </a:t>
+            </a:r>
+            <a:r>
+              <a:rPr lang="en-US" dirty="0" smtClean="0"/>
+              <a:t>SklTot TrnGain </a:t>
+            </a:r>
+            <a:r>
+              <a:rPr lang="en-US" dirty="0"/>
+              <a:t>TrnLoss TranLw MeansLw EndsLw ArenaLw PtLw Nation Anomie </a:t>
+            </a:r>
+            <a:r>
+              <a:rPr lang="en-US" dirty="0" smtClean="0"/>
+              <a:t>NegAff PosAff </a:t>
+            </a:r>
+            <a:r>
+              <a:rPr lang="en-US" dirty="0"/>
+              <a:t>SureLw If NotLw </a:t>
+            </a:r>
+            <a:r>
+              <a:rPr lang="en-US" dirty="0" smtClean="0"/>
+              <a:t>TimeSpc</a:t>
+            </a:r>
+            <a:endParaRPr lang="en-US" dirty="0"/>
           </a:p>
           <a:p>
             <a:pPr>
@@ -4788,7 +4949,7 @@
               </a:lnSpc>
             </a:pPr>
             <a:r>
-              <a:rPr lang="en-US" dirty="0">
+              <a:rPr lang="en-US" dirty="0" smtClean="0">
                 <a:hlinkClick r:id="rId2"/>
               </a:rPr>
               <a:t>http://www.webuse.umd.edu:9090/tags</a:t>
@@ -4829,6 +4990,13 @@
   <p:clrMapOvr>
     <a:masterClrMapping/>
   </p:clrMapOvr>
+  <p:timing>
+    <p:tnLst>
+      <p:par>
+        <p:cTn id="1" dur="indefinite" restart="never" nodeType="tmRoot"/>
+      </p:par>
+    </p:tnLst>
+  </p:timing>
 </p:sld>
 </file>
 
@@ -4865,9 +5033,10 @@
           <a:lstStyle/>
           <a:p>
             <a:r>
-              <a:rPr lang="en-US" dirty="0"/>
+              <a:rPr lang="en-US" dirty="0" smtClean="0"/>
               <a:t>Dictionary-based Methods</a:t>
             </a:r>
+            <a:endParaRPr lang="en-US" dirty="0"/>
           </a:p>
         </p:txBody>
       </p:sp>
@@ -4889,50 +5058,51 @@
           <a:lstStyle/>
           <a:p>
             <a:r>
-              <a:rPr lang="en-US" dirty="0"/>
+              <a:rPr lang="en-US" dirty="0" smtClean="0"/>
               <a:t>Start from known seeds</a:t>
             </a:r>
           </a:p>
           <a:p>
             <a:pPr lvl="1"/>
             <a:r>
-              <a:rPr lang="en-US" dirty="0"/>
+              <a:rPr lang="en-US" dirty="0" smtClean="0"/>
               <a:t>e.g., happy, angry</a:t>
             </a:r>
           </a:p>
           <a:p>
             <a:r>
-              <a:rPr lang="en-US" dirty="0"/>
+              <a:rPr lang="en-US" dirty="0" smtClean="0"/>
               <a:t>Expand using WordNet</a:t>
             </a:r>
           </a:p>
           <a:p>
             <a:pPr lvl="1"/>
             <a:r>
-              <a:rPr lang="en-US" dirty="0"/>
+              <a:rPr lang="en-US" dirty="0" smtClean="0"/>
               <a:t>synonyms</a:t>
             </a:r>
           </a:p>
           <a:p>
             <a:pPr lvl="1"/>
             <a:r>
-              <a:rPr lang="en-US" dirty="0" err="1"/>
+              <a:rPr lang="en-US" dirty="0" err="1" smtClean="0"/>
               <a:t>hypernyms</a:t>
             </a:r>
+            <a:endParaRPr lang="en-US" dirty="0" smtClean="0"/>
+          </a:p>
+          <a:p>
+            <a:r>
+              <a:rPr lang="en-US" dirty="0" smtClean="0"/>
+              <a:t>Random-walk based methods</a:t>
+            </a:r>
+          </a:p>
+          <a:p>
+            <a:pPr lvl="1"/>
+            <a:r>
+              <a:rPr lang="en-US" dirty="0" smtClean="0"/>
+              <a:t>words with known polarity as absorbing boundary</a:t>
+            </a:r>
             <a:endParaRPr lang="en-US" dirty="0"/>
-          </a:p>
-          <a:p>
-            <a:r>
-              <a:rPr lang="en-US" dirty="0"/>
-              <a:t>Random-walk based methods</a:t>
-            </a:r>
-          </a:p>
-          <a:p>
-            <a:pPr lvl="1"/>
-            <a:r>
-              <a:rPr lang="en-US" dirty="0"/>
-              <a:t>words with known polarity as absorbing boundary</a:t>
-            </a:r>
           </a:p>
         </p:txBody>
       </p:sp>
@@ -4946,6 +5116,13 @@
   <p:clrMapOvr>
     <a:masterClrMapping/>
   </p:clrMapOvr>
+  <p:timing>
+    <p:tnLst>
+      <p:par>
+        <p:cTn id="1" dur="indefinite" restart="never" nodeType="tmRoot"/>
+      </p:par>
+    </p:tnLst>
+  </p:timing>
 </p:sld>
 </file>
 
@@ -4982,9 +5159,10 @@
           <a:lstStyle/>
           <a:p>
             <a:r>
-              <a:rPr lang="en-US" dirty="0"/>
+              <a:rPr lang="en-US" dirty="0" smtClean="0"/>
               <a:t>Automatic Extraction of Sentiment Words</a:t>
             </a:r>
+            <a:endParaRPr lang="en-US" dirty="0"/>
           </a:p>
         </p:txBody>
       </p:sp>
@@ -5004,15 +5182,16 @@
           <a:lstStyle/>
           <a:p>
             <a:r>
-              <a:rPr lang="en-US" dirty="0"/>
+              <a:rPr lang="en-US" dirty="0" smtClean="0"/>
               <a:t>Semi-supervised method</a:t>
             </a:r>
           </a:p>
           <a:p>
             <a:r>
-              <a:rPr lang="en-US" dirty="0"/>
+              <a:rPr lang="en-US" dirty="0" smtClean="0"/>
               <a:t>Look for pairs of adjectives that appear together in a conjunction</a:t>
             </a:r>
+            <a:endParaRPr lang="en-US" dirty="0"/>
           </a:p>
         </p:txBody>
       </p:sp>
@@ -5124,7 +5303,7 @@
               <a:t> and Kathleen R. </a:t>
             </a:r>
             <a:r>
-              <a:rPr kumimoji="0" lang="en-US" sz="1600" b="0" i="0" u="none" strike="noStrike" kern="1200" cap="none" spc="0" normalizeH="0" baseline="0" noProof="0" dirty="0" err="1">
+              <a:rPr kumimoji="0" lang="en-US" sz="1600" b="0" i="0" u="none" strike="noStrike" kern="1200" cap="none" spc="0" normalizeH="0" baseline="0" noProof="0" dirty="0" err="1" smtClean="0">
                 <a:ln>
                   <a:noFill/>
                 </a:ln>
@@ -5151,7 +5330,7 @@
               <a:t>,</a:t>
             </a:r>
             <a:r>
-              <a:rPr kumimoji="0" lang="en-US" sz="1600" b="0" i="0" u="none" strike="noStrike" kern="1200" cap="none" spc="0" normalizeH="0" baseline="0" noProof="0" dirty="0">
+              <a:rPr kumimoji="0" lang="en-US" sz="1600" b="0" i="0" u="none" strike="noStrike" kern="1200" cap="none" spc="0" normalizeH="0" baseline="0" noProof="0" dirty="0" smtClean="0">
                 <a:ln>
                   <a:noFill/>
                 </a:ln>
@@ -5167,6 +5346,20 @@
               </a:rPr>
               <a:t> ACL 1997</a:t>
             </a:r>
+            <a:endParaRPr kumimoji="0" lang="en-US" sz="1600" b="0" i="0" u="none" strike="noStrike" kern="1200" cap="none" spc="0" normalizeH="0" baseline="0" noProof="0" dirty="0">
+              <a:ln>
+                <a:noFill/>
+              </a:ln>
+              <a:solidFill>
+                <a:prstClr val="black"/>
+              </a:solidFill>
+              <a:effectLst/>
+              <a:uLnTx/>
+              <a:uFillTx/>
+              <a:latin typeface="Times New Roman"/>
+              <a:ea typeface="ＭＳ Ｐゴシック" charset="0"/>
+              <a:cs typeface="+mn-cs"/>
+            </a:endParaRPr>
           </a:p>
         </p:txBody>
       </p:sp>
@@ -5180,6 +5373,13 @@
   <p:clrMapOvr>
     <a:masterClrMapping/>
   </p:clrMapOvr>
+  <p:timing>
+    <p:tnLst>
+      <p:par>
+        <p:cTn id="1" dur="indefinite" restart="never" nodeType="tmRoot"/>
+      </p:par>
+    </p:tnLst>
+  </p:timing>
 </p:sld>
 </file>
 
@@ -5221,7 +5421,7 @@
           <a:lstStyle/>
           <a:p>
             <a:r>
-              <a:rPr lang="en-US" dirty="0" err="1"/>
+              <a:rPr lang="en-US" dirty="0" err="1" smtClean="0"/>
               <a:t>Molistic</a:t>
             </a:r>
             <a:endParaRPr lang="en-US" dirty="0"/>
@@ -5254,9 +5454,10 @@
               <a:buNone/>
             </a:pPr>
             <a:r>
-              <a:rPr lang="en-US" sz="1200" dirty="0"/>
+              <a:rPr lang="en-US" sz="1200" dirty="0" smtClean="0"/>
               <a:t>NACLO problem (2007)</a:t>
             </a:r>
+            <a:endParaRPr lang="en-US" sz="1200" dirty="0"/>
           </a:p>
         </p:txBody>
       </p:sp>
@@ -5324,6 +5525,13 @@
   <p:clrMapOvr>
     <a:masterClrMapping/>
   </p:clrMapOvr>
+  <p:timing>
+    <p:tnLst>
+      <p:par>
+        <p:cTn id="1" dur="indefinite" restart="never" nodeType="tmRoot"/>
+      </p:par>
+    </p:tnLst>
+  </p:timing>
 </p:sld>
 </file>
 
@@ -5412,7 +5620,7 @@
                 <a:defRPr/>
               </a:pPr>
               <a:r>
-                <a:rPr kumimoji="0" lang="en-US" sz="1000" b="0" i="0" u="none" strike="noStrike" kern="1200" cap="none" spc="0" normalizeH="0" baseline="0" noProof="0" dirty="0" err="1">
+                <a:rPr kumimoji="0" lang="en-US" sz="1000" b="0" i="0" u="none" strike="noStrike" kern="1200" cap="none" spc="0" normalizeH="0" baseline="0" noProof="0" dirty="0" err="1" smtClean="0">
                   <a:ln>
                     <a:noFill/>
                   </a:ln>
@@ -5499,7 +5707,7 @@
                 <a:defRPr/>
               </a:pPr>
               <a:r>
-                <a:rPr kumimoji="0" lang="en-US" sz="1000" b="0" i="0" u="none" strike="noStrike" kern="1200" cap="none" spc="0" normalizeH="0" baseline="0" noProof="0" dirty="0" err="1">
+                <a:rPr kumimoji="0" lang="en-US" sz="1000" b="0" i="0" u="none" strike="noStrike" kern="1200" cap="none" spc="0" normalizeH="0" baseline="0" noProof="0" dirty="0" err="1" smtClean="0">
                   <a:ln>
                     <a:noFill/>
                   </a:ln>
@@ -5586,7 +5794,7 @@
                 <a:defRPr/>
               </a:pPr>
               <a:r>
-                <a:rPr kumimoji="0" lang="en-US" sz="1000" b="0" i="0" u="none" strike="noStrike" kern="1200" cap="none" spc="0" normalizeH="0" baseline="0" noProof="0" dirty="0" err="1">
+                <a:rPr kumimoji="0" lang="en-US" sz="1000" b="0" i="0" u="none" strike="noStrike" kern="1200" cap="none" spc="0" normalizeH="0" baseline="0" noProof="0" dirty="0" err="1" smtClean="0">
                   <a:ln>
                     <a:noFill/>
                   </a:ln>
@@ -5673,7 +5881,7 @@
                 <a:defRPr/>
               </a:pPr>
               <a:r>
-                <a:rPr kumimoji="0" lang="en-US" sz="1000" b="0" i="0" u="none" strike="noStrike" kern="1200" cap="none" spc="0" normalizeH="0" baseline="0" noProof="0" dirty="0" err="1">
+                <a:rPr kumimoji="0" lang="en-US" sz="1000" b="0" i="0" u="none" strike="noStrike" kern="1200" cap="none" spc="0" normalizeH="0" baseline="0" noProof="0" dirty="0" err="1" smtClean="0">
                   <a:ln>
                     <a:noFill/>
                   </a:ln>
@@ -5760,7 +5968,7 @@
                 <a:defRPr/>
               </a:pPr>
               <a:r>
-                <a:rPr kumimoji="0" lang="en-US" sz="1000" b="0" i="0" u="none" strike="noStrike" kern="1200" cap="none" spc="0" normalizeH="0" baseline="0" noProof="0" dirty="0" err="1">
+                <a:rPr kumimoji="0" lang="en-US" sz="1000" b="0" i="0" u="none" strike="noStrike" kern="1200" cap="none" spc="0" normalizeH="0" baseline="0" noProof="0" dirty="0" err="1" smtClean="0">
                   <a:ln>
                     <a:noFill/>
                   </a:ln>
@@ -5847,7 +6055,7 @@
                 <a:defRPr/>
               </a:pPr>
               <a:r>
-                <a:rPr kumimoji="0" lang="en-US" sz="1000" b="0" i="0" u="none" strike="noStrike" kern="1200" cap="none" spc="0" normalizeH="0" baseline="0" noProof="0" dirty="0" err="1">
+                <a:rPr kumimoji="0" lang="en-US" sz="1000" b="0" i="0" u="none" strike="noStrike" kern="1200" cap="none" spc="0" normalizeH="0" baseline="0" noProof="0" dirty="0" err="1" smtClean="0">
                   <a:ln>
                     <a:noFill/>
                   </a:ln>
@@ -5935,7 +6143,7 @@
                 <a:defRPr/>
               </a:pPr>
               <a:r>
-                <a:rPr kumimoji="0" lang="en-US" sz="1000" b="0" i="0" u="none" strike="noStrike" kern="1200" cap="none" spc="0" normalizeH="0" baseline="0" noProof="0" dirty="0">
+                <a:rPr kumimoji="0" lang="en-US" sz="1000" b="0" i="0" u="none" strike="noStrike" kern="1200" cap="none" spc="0" normalizeH="0" baseline="0" noProof="0" dirty="0" smtClean="0">
                   <a:ln>
                     <a:noFill/>
                   </a:ln>
@@ -5951,6 +6159,20 @@
                 </a:rPr>
                 <a:t>pleasure to watch</a:t>
               </a:r>
+              <a:endParaRPr kumimoji="0" lang="en-US" sz="1000" b="0" i="0" u="none" strike="noStrike" kern="1200" cap="none" spc="0" normalizeH="0" baseline="0" noProof="0" dirty="0">
+                <a:ln>
+                  <a:noFill/>
+                </a:ln>
+                <a:solidFill>
+                  <a:prstClr val="black"/>
+                </a:solidFill>
+                <a:effectLst/>
+                <a:uLnTx/>
+                <a:uFillTx/>
+                <a:latin typeface="Times New Roman"/>
+                <a:ea typeface="+mn-ea"/>
+                <a:cs typeface="+mn-cs"/>
+              </a:endParaRPr>
             </a:p>
           </p:txBody>
         </p:sp>
@@ -6008,7 +6230,7 @@
                 <a:defRPr/>
               </a:pPr>
               <a:r>
-                <a:rPr kumimoji="0" lang="en-US" sz="1000" b="0" i="0" u="none" strike="noStrike" kern="1200" cap="none" spc="0" normalizeH="0" baseline="0" noProof="0" dirty="0" err="1">
+                <a:rPr kumimoji="0" lang="en-US" sz="1000" b="0" i="0" u="none" strike="noStrike" kern="1200" cap="none" spc="0" normalizeH="0" baseline="0" noProof="0" dirty="0" err="1" smtClean="0">
                   <a:ln>
                     <a:noFill/>
                   </a:ln>
@@ -6095,7 +6317,7 @@
                 <a:defRPr/>
               </a:pPr>
               <a:r>
-                <a:rPr kumimoji="0" lang="en-US" sz="1000" b="0" i="0" u="none" strike="noStrike" kern="1200" cap="none" spc="0" normalizeH="0" baseline="0" noProof="0" dirty="0" err="1">
+                <a:rPr kumimoji="0" lang="en-US" sz="1000" b="0" i="0" u="none" strike="noStrike" kern="1200" cap="none" spc="0" normalizeH="0" baseline="0" noProof="0" dirty="0" err="1" smtClean="0">
                   <a:ln>
                     <a:noFill/>
                   </a:ln>
@@ -6182,7 +6404,7 @@
                 <a:defRPr/>
               </a:pPr>
               <a:r>
-                <a:rPr kumimoji="0" lang="en-US" sz="1000" b="0" i="0" u="none" strike="noStrike" kern="1200" cap="none" spc="0" normalizeH="0" baseline="0" noProof="0" dirty="0" err="1">
+                <a:rPr kumimoji="0" lang="en-US" sz="1000" b="0" i="0" u="none" strike="noStrike" kern="1200" cap="none" spc="0" normalizeH="0" baseline="0" noProof="0" dirty="0" err="1" smtClean="0">
                   <a:ln>
                     <a:noFill/>
                   </a:ln>
@@ -6269,7 +6491,7 @@
                 <a:defRPr/>
               </a:pPr>
               <a:r>
-                <a:rPr kumimoji="0" lang="en-US" sz="1000" b="0" i="0" u="none" strike="noStrike" kern="1200" cap="none" spc="0" normalizeH="0" baseline="0" noProof="0" dirty="0" err="1">
+                <a:rPr kumimoji="0" lang="en-US" sz="1000" b="0" i="0" u="none" strike="noStrike" kern="1200" cap="none" spc="0" normalizeH="0" baseline="0" noProof="0" dirty="0" err="1" smtClean="0">
                   <a:ln>
                     <a:noFill/>
                   </a:ln>
@@ -6356,7 +6578,7 @@
                 <a:defRPr/>
               </a:pPr>
               <a:r>
-                <a:rPr kumimoji="0" lang="en-US" sz="1000" b="0" i="0" u="none" strike="noStrike" kern="1200" cap="none" spc="0" normalizeH="0" baseline="0" noProof="0" dirty="0" err="1">
+                <a:rPr kumimoji="0" lang="en-US" sz="1000" b="0" i="0" u="none" strike="noStrike" kern="1200" cap="none" spc="0" normalizeH="0" baseline="0" noProof="0" dirty="0" err="1" smtClean="0">
                   <a:ln>
                     <a:noFill/>
                   </a:ln>
@@ -6587,7 +6809,7 @@
                 <a:defRPr/>
               </a:pPr>
               <a:r>
-                <a:rPr kumimoji="0" lang="en-US" sz="1000" b="0" i="0" u="none" strike="noStrike" kern="1200" cap="none" spc="0" normalizeH="0" baseline="0" noProof="0" dirty="0" err="1">
+                <a:rPr kumimoji="0" lang="en-US" sz="1000" b="0" i="0" u="none" strike="noStrike" kern="1200" cap="none" spc="0" normalizeH="0" baseline="0" noProof="0" dirty="0" err="1" smtClean="0">
                   <a:ln>
                     <a:noFill/>
                   </a:ln>
@@ -6936,7 +7158,7 @@
                 <a:defRPr/>
               </a:pPr>
               <a:r>
-                <a:rPr kumimoji="0" lang="en-US" sz="1000" b="0" i="0" u="none" strike="noStrike" kern="1200" cap="none" spc="0" normalizeH="0" baseline="0" noProof="0" dirty="0">
+                <a:rPr kumimoji="0" lang="en-US" sz="1000" b="0" i="0" u="none" strike="noStrike" kern="1200" cap="none" spc="0" normalizeH="0" baseline="0" noProof="0" dirty="0" smtClean="0">
                   <a:ln>
                     <a:noFill/>
                   </a:ln>
@@ -6952,6 +7174,20 @@
                 </a:rPr>
                 <a:t>8</a:t>
               </a:r>
+              <a:endParaRPr kumimoji="0" lang="en-US" sz="1000" b="0" i="0" u="none" strike="noStrike" kern="1200" cap="none" spc="0" normalizeH="0" baseline="0" noProof="0" dirty="0">
+                <a:ln>
+                  <a:noFill/>
+                </a:ln>
+                <a:solidFill>
+                  <a:prstClr val="black"/>
+                </a:solidFill>
+                <a:effectLst/>
+                <a:uLnTx/>
+                <a:uFillTx/>
+                <a:latin typeface="Times New Roman"/>
+                <a:ea typeface="+mn-ea"/>
+                <a:cs typeface="+mn-cs"/>
+              </a:endParaRPr>
             </a:p>
           </p:txBody>
         </p:sp>
@@ -6995,7 +7231,7 @@
                 <a:defRPr/>
               </a:pPr>
               <a:r>
-                <a:rPr kumimoji="0" lang="en-US" sz="1000" b="0" i="0" u="none" strike="noStrike" kern="1200" cap="none" spc="0" normalizeH="0" baseline="0" noProof="0" dirty="0">
+                <a:rPr kumimoji="0" lang="en-US" sz="1000" b="0" i="0" u="none" strike="noStrike" kern="1200" cap="none" spc="0" normalizeH="0" baseline="0" noProof="0" dirty="0" smtClean="0">
                   <a:ln>
                     <a:noFill/>
                   </a:ln>
@@ -7011,6 +7247,20 @@
                 </a:rPr>
                 <a:t>8</a:t>
               </a:r>
+              <a:endParaRPr kumimoji="0" lang="en-US" sz="1000" b="0" i="0" u="none" strike="noStrike" kern="1200" cap="none" spc="0" normalizeH="0" baseline="0" noProof="0" dirty="0">
+                <a:ln>
+                  <a:noFill/>
+                </a:ln>
+                <a:solidFill>
+                  <a:prstClr val="black"/>
+                </a:solidFill>
+                <a:effectLst/>
+                <a:uLnTx/>
+                <a:uFillTx/>
+                <a:latin typeface="Times New Roman"/>
+                <a:ea typeface="+mn-ea"/>
+                <a:cs typeface="+mn-cs"/>
+              </a:endParaRPr>
             </a:p>
           </p:txBody>
         </p:sp>
@@ -7054,7 +7304,7 @@
                 <a:defRPr/>
               </a:pPr>
               <a:r>
-                <a:rPr kumimoji="0" lang="en-US" sz="1000" b="0" i="0" u="none" strike="noStrike" kern="1200" cap="none" spc="0" normalizeH="0" baseline="0" noProof="0" dirty="0">
+                <a:rPr kumimoji="0" lang="en-US" sz="1000" b="0" i="0" u="none" strike="noStrike" kern="1200" cap="none" spc="0" normalizeH="0" baseline="0" noProof="0" dirty="0" smtClean="0">
                   <a:ln>
                     <a:noFill/>
                   </a:ln>
@@ -7070,6 +7320,20 @@
                 </a:rPr>
                 <a:t>4</a:t>
               </a:r>
+              <a:endParaRPr kumimoji="0" lang="en-US" sz="1000" b="0" i="0" u="none" strike="noStrike" kern="1200" cap="none" spc="0" normalizeH="0" baseline="0" noProof="0" dirty="0">
+                <a:ln>
+                  <a:noFill/>
+                </a:ln>
+                <a:solidFill>
+                  <a:prstClr val="black"/>
+                </a:solidFill>
+                <a:effectLst/>
+                <a:uLnTx/>
+                <a:uFillTx/>
+                <a:latin typeface="Times New Roman"/>
+                <a:ea typeface="+mn-ea"/>
+                <a:cs typeface="+mn-cs"/>
+              </a:endParaRPr>
             </a:p>
           </p:txBody>
         </p:sp>
@@ -7113,7 +7377,7 @@
                 <a:defRPr/>
               </a:pPr>
               <a:r>
-                <a:rPr kumimoji="0" lang="en-US" sz="1000" b="0" i="0" u="none" strike="noStrike" kern="1200" cap="none" spc="0" normalizeH="0" baseline="0" noProof="0" dirty="0">
+                <a:rPr kumimoji="0" lang="en-US" sz="1000" b="0" i="0" u="none" strike="noStrike" kern="1200" cap="none" spc="0" normalizeH="0" baseline="0" noProof="0" dirty="0" smtClean="0">
                   <a:ln>
                     <a:noFill/>
                   </a:ln>
@@ -7129,6 +7393,20 @@
                 </a:rPr>
                 <a:t>2</a:t>
               </a:r>
+              <a:endParaRPr kumimoji="0" lang="en-US" sz="1000" b="0" i="0" u="none" strike="noStrike" kern="1200" cap="none" spc="0" normalizeH="0" baseline="0" noProof="0" dirty="0">
+                <a:ln>
+                  <a:noFill/>
+                </a:ln>
+                <a:solidFill>
+                  <a:prstClr val="black"/>
+                </a:solidFill>
+                <a:effectLst/>
+                <a:uLnTx/>
+                <a:uFillTx/>
+                <a:latin typeface="Times New Roman"/>
+                <a:ea typeface="+mn-ea"/>
+                <a:cs typeface="+mn-cs"/>
+              </a:endParaRPr>
             </a:p>
           </p:txBody>
         </p:sp>
@@ -7172,7 +7450,7 @@
                 <a:defRPr/>
               </a:pPr>
               <a:r>
-                <a:rPr kumimoji="0" lang="en-US" sz="1000" b="0" i="0" u="none" strike="noStrike" kern="1200" cap="none" spc="0" normalizeH="0" baseline="0" noProof="0" dirty="0">
+                <a:rPr kumimoji="0" lang="en-US" sz="1000" b="0" i="0" u="none" strike="noStrike" kern="1200" cap="none" spc="0" normalizeH="0" baseline="0" noProof="0" dirty="0" smtClean="0">
                   <a:ln>
                     <a:noFill/>
                   </a:ln>
@@ -7188,6 +7466,20 @@
                 </a:rPr>
                 <a:t>1</a:t>
               </a:r>
+              <a:endParaRPr kumimoji="0" lang="en-US" sz="1000" b="0" i="0" u="none" strike="noStrike" kern="1200" cap="none" spc="0" normalizeH="0" baseline="0" noProof="0" dirty="0">
+                <a:ln>
+                  <a:noFill/>
+                </a:ln>
+                <a:solidFill>
+                  <a:prstClr val="black"/>
+                </a:solidFill>
+                <a:effectLst/>
+                <a:uLnTx/>
+                <a:uFillTx/>
+                <a:latin typeface="Times New Roman"/>
+                <a:ea typeface="+mn-ea"/>
+                <a:cs typeface="+mn-cs"/>
+              </a:endParaRPr>
             </a:p>
           </p:txBody>
         </p:sp>
@@ -7231,7 +7523,7 @@
                 <a:defRPr/>
               </a:pPr>
               <a:r>
-                <a:rPr kumimoji="0" lang="en-US" sz="1000" b="0" i="0" u="none" strike="noStrike" kern="1200" cap="none" spc="0" normalizeH="0" baseline="0" noProof="0" dirty="0">
+                <a:rPr kumimoji="0" lang="en-US" sz="1000" b="0" i="0" u="none" strike="noStrike" kern="1200" cap="none" spc="0" normalizeH="0" baseline="0" noProof="0" dirty="0" smtClean="0">
                   <a:ln>
                     <a:noFill/>
                   </a:ln>
@@ -7290,7 +7582,7 @@
                 <a:defRPr/>
               </a:pPr>
               <a:r>
-                <a:rPr kumimoji="0" lang="en-US" sz="1000" b="0" i="0" u="none" strike="noStrike" kern="1200" cap="none" spc="0" normalizeH="0" baseline="0" noProof="0" dirty="0">
+                <a:rPr kumimoji="0" lang="en-US" sz="1000" b="0" i="0" u="none" strike="noStrike" kern="1200" cap="none" spc="0" normalizeH="0" baseline="0" noProof="0" dirty="0" smtClean="0">
                   <a:ln>
                     <a:noFill/>
                   </a:ln>
@@ -7306,6 +7598,20 @@
                 </a:rPr>
                 <a:t>11</a:t>
               </a:r>
+              <a:endParaRPr kumimoji="0" lang="en-US" sz="1000" b="0" i="0" u="none" strike="noStrike" kern="1200" cap="none" spc="0" normalizeH="0" baseline="0" noProof="0" dirty="0">
+                <a:ln>
+                  <a:noFill/>
+                </a:ln>
+                <a:solidFill>
+                  <a:prstClr val="black"/>
+                </a:solidFill>
+                <a:effectLst/>
+                <a:uLnTx/>
+                <a:uFillTx/>
+                <a:latin typeface="Times New Roman"/>
+                <a:ea typeface="+mn-ea"/>
+                <a:cs typeface="+mn-cs"/>
+              </a:endParaRPr>
             </a:p>
           </p:txBody>
         </p:sp>
@@ -7349,7 +7655,7 @@
                 <a:defRPr/>
               </a:pPr>
               <a:r>
-                <a:rPr kumimoji="0" lang="en-US" sz="1000" b="0" i="0" u="none" strike="noStrike" kern="1200" cap="none" spc="0" normalizeH="0" baseline="0" noProof="0" dirty="0">
+                <a:rPr kumimoji="0" lang="en-US" sz="1000" b="0" i="0" u="none" strike="noStrike" kern="1200" cap="none" spc="0" normalizeH="0" baseline="0" noProof="0" dirty="0" smtClean="0">
                   <a:ln>
                     <a:noFill/>
                   </a:ln>
@@ -7365,6 +7671,20 @@
                 </a:rPr>
                 <a:t>3</a:t>
               </a:r>
+              <a:endParaRPr kumimoji="0" lang="en-US" sz="1000" b="0" i="0" u="none" strike="noStrike" kern="1200" cap="none" spc="0" normalizeH="0" baseline="0" noProof="0" dirty="0">
+                <a:ln>
+                  <a:noFill/>
+                </a:ln>
+                <a:solidFill>
+                  <a:prstClr val="black"/>
+                </a:solidFill>
+                <a:effectLst/>
+                <a:uLnTx/>
+                <a:uFillTx/>
+                <a:latin typeface="Times New Roman"/>
+                <a:ea typeface="+mn-ea"/>
+                <a:cs typeface="+mn-cs"/>
+              </a:endParaRPr>
             </a:p>
           </p:txBody>
         </p:sp>
@@ -7408,7 +7728,7 @@
                 <a:defRPr/>
               </a:pPr>
               <a:r>
-                <a:rPr kumimoji="0" lang="en-US" sz="1000" b="0" i="0" u="none" strike="noStrike" kern="1200" cap="none" spc="0" normalizeH="0" baseline="0" noProof="0" dirty="0">
+                <a:rPr kumimoji="0" lang="en-US" sz="1000" b="0" i="0" u="none" strike="noStrike" kern="1200" cap="none" spc="0" normalizeH="0" baseline="0" noProof="0" dirty="0" smtClean="0">
                   <a:ln>
                     <a:noFill/>
                   </a:ln>
@@ -7424,6 +7744,20 @@
                 </a:rPr>
                 <a:t>5</a:t>
               </a:r>
+              <a:endParaRPr kumimoji="0" lang="en-US" sz="1000" b="0" i="0" u="none" strike="noStrike" kern="1200" cap="none" spc="0" normalizeH="0" baseline="0" noProof="0" dirty="0">
+                <a:ln>
+                  <a:noFill/>
+                </a:ln>
+                <a:solidFill>
+                  <a:prstClr val="black"/>
+                </a:solidFill>
+                <a:effectLst/>
+                <a:uLnTx/>
+                <a:uFillTx/>
+                <a:latin typeface="Times New Roman"/>
+                <a:ea typeface="+mn-ea"/>
+                <a:cs typeface="+mn-cs"/>
+              </a:endParaRPr>
             </a:p>
           </p:txBody>
         </p:sp>
@@ -7467,7 +7801,7 @@
                 <a:defRPr/>
               </a:pPr>
               <a:r>
-                <a:rPr kumimoji="0" lang="en-US" sz="1000" b="0" i="0" u="none" strike="noStrike" kern="1200" cap="none" spc="0" normalizeH="0" baseline="0" noProof="0" dirty="0">
+                <a:rPr kumimoji="0" lang="en-US" sz="1000" b="0" i="0" u="none" strike="noStrike" kern="1200" cap="none" spc="0" normalizeH="0" baseline="0" noProof="0" dirty="0" smtClean="0">
                   <a:ln>
                     <a:noFill/>
                   </a:ln>
@@ -7483,6 +7817,20 @@
                 </a:rPr>
                 <a:t>10</a:t>
               </a:r>
+              <a:endParaRPr kumimoji="0" lang="en-US" sz="1000" b="0" i="0" u="none" strike="noStrike" kern="1200" cap="none" spc="0" normalizeH="0" baseline="0" noProof="0" dirty="0">
+                <a:ln>
+                  <a:noFill/>
+                </a:ln>
+                <a:solidFill>
+                  <a:prstClr val="black"/>
+                </a:solidFill>
+                <a:effectLst/>
+                <a:uLnTx/>
+                <a:uFillTx/>
+                <a:latin typeface="Times New Roman"/>
+                <a:ea typeface="+mn-ea"/>
+                <a:cs typeface="+mn-cs"/>
+              </a:endParaRPr>
             </a:p>
           </p:txBody>
         </p:sp>
@@ -7526,7 +7874,7 @@
                 <a:defRPr/>
               </a:pPr>
               <a:r>
-                <a:rPr kumimoji="0" lang="en-US" sz="1000" b="0" i="0" u="none" strike="noStrike" kern="1200" cap="none" spc="0" normalizeH="0" baseline="0" noProof="0" dirty="0">
+                <a:rPr kumimoji="0" lang="en-US" sz="1000" b="0" i="0" u="none" strike="noStrike" kern="1200" cap="none" spc="0" normalizeH="0" baseline="0" noProof="0" dirty="0" smtClean="0">
                   <a:ln>
                     <a:noFill/>
                   </a:ln>
@@ -7542,6 +7890,20 @@
                 </a:rPr>
                 <a:t>9</a:t>
               </a:r>
+              <a:endParaRPr kumimoji="0" lang="en-US" sz="1000" b="0" i="0" u="none" strike="noStrike" kern="1200" cap="none" spc="0" normalizeH="0" baseline="0" noProof="0" dirty="0">
+                <a:ln>
+                  <a:noFill/>
+                </a:ln>
+                <a:solidFill>
+                  <a:prstClr val="black"/>
+                </a:solidFill>
+                <a:effectLst/>
+                <a:uLnTx/>
+                <a:uFillTx/>
+                <a:latin typeface="Times New Roman"/>
+                <a:ea typeface="+mn-ea"/>
+                <a:cs typeface="+mn-cs"/>
+              </a:endParaRPr>
             </a:p>
           </p:txBody>
         </p:sp>
@@ -7585,7 +7947,7 @@
                 <a:defRPr/>
               </a:pPr>
               <a:r>
-                <a:rPr kumimoji="0" lang="en-US" sz="1000" b="0" i="0" u="none" strike="noStrike" kern="1200" cap="none" spc="0" normalizeH="0" baseline="0" noProof="0" dirty="0">
+                <a:rPr kumimoji="0" lang="en-US" sz="1000" b="0" i="0" u="none" strike="noStrike" kern="1200" cap="none" spc="0" normalizeH="0" baseline="0" noProof="0" dirty="0" smtClean="0">
                   <a:ln>
                     <a:noFill/>
                   </a:ln>
@@ -7601,6 +7963,20 @@
                 </a:rPr>
                 <a:t>7</a:t>
               </a:r>
+              <a:endParaRPr kumimoji="0" lang="en-US" sz="1000" b="0" i="0" u="none" strike="noStrike" kern="1200" cap="none" spc="0" normalizeH="0" baseline="0" noProof="0" dirty="0">
+                <a:ln>
+                  <a:noFill/>
+                </a:ln>
+                <a:solidFill>
+                  <a:prstClr val="black"/>
+                </a:solidFill>
+                <a:effectLst/>
+                <a:uLnTx/>
+                <a:uFillTx/>
+                <a:latin typeface="Times New Roman"/>
+                <a:ea typeface="+mn-ea"/>
+                <a:cs typeface="+mn-cs"/>
+              </a:endParaRPr>
             </a:p>
           </p:txBody>
         </p:sp>
@@ -7853,6 +8229,13 @@
   <p:clrMapOvr>
     <a:masterClrMapping/>
   </p:clrMapOvr>
+  <p:timing>
+    <p:tnLst>
+      <p:par>
+        <p:cTn id="1" dur="indefinite" restart="never" nodeType="tmRoot"/>
+      </p:par>
+    </p:tnLst>
+  </p:timing>
 </p:sld>
 </file>
 
@@ -7889,9 +8272,10 @@
           <a:lstStyle/>
           <a:p>
             <a:r>
-              <a:rPr lang="en-US" dirty="0"/>
+              <a:rPr lang="en-US" dirty="0" smtClean="0"/>
               <a:t>PMI (Turney)</a:t>
             </a:r>
+            <a:endParaRPr lang="en-US" dirty="0"/>
           </a:p>
         </p:txBody>
       </p:sp>
@@ -7918,29 +8302,34 @@
           <a:lstStyle/>
           <a:p>
             <a:r>
-              <a:rPr lang="en-US" sz="2000" dirty="0"/>
+              <a:rPr lang="en-US" sz="2000" dirty="0" smtClean="0"/>
               <a:t>PMI = </a:t>
             </a:r>
             <a:r>
-              <a:rPr lang="en-US" sz="2000" dirty="0" err="1"/>
+              <a:rPr lang="en-US" sz="2000" dirty="0" err="1" smtClean="0"/>
               <a:t>pointwise</a:t>
             </a:r>
             <a:r>
-              <a:rPr lang="en-US" sz="2000" dirty="0"/>
-              <a:t> mutual information</a:t>
-            </a:r>
-          </a:p>
-          <a:p>
-            <a:r>
-              <a:rPr lang="en-US" sz="2000" dirty="0"/>
+              <a:rPr lang="en-US" sz="2000" dirty="0" smtClean="0"/>
+              <a:t> </a:t>
+            </a:r>
+            <a:r>
+              <a:rPr lang="en-US" sz="2000" dirty="0" smtClean="0"/>
+              <a:t>mutual information</a:t>
+            </a:r>
+          </a:p>
+          <a:p>
+            <a:r>
+              <a:rPr lang="en-US" sz="2000" dirty="0" smtClean="0"/>
               <a:t>Check how often a given unlabeled word appears with a known positive word (“excellent”)</a:t>
             </a:r>
           </a:p>
           <a:p>
             <a:r>
-              <a:rPr lang="en-US" sz="2000" dirty="0"/>
+              <a:rPr lang="en-US" sz="2000" dirty="0" smtClean="0"/>
               <a:t>Same for a known negative word (“poor”)</a:t>
             </a:r>
+            <a:endParaRPr lang="en-US" sz="2000" dirty="0"/>
           </a:p>
         </p:txBody>
       </p:sp>
@@ -7966,7 +8355,7 @@
           <a:graphicData uri="http://schemas.openxmlformats.org/presentationml/2006/ole">
             <mc:AlternateContent xmlns:mc="http://schemas.openxmlformats.org/markup-compatibility/2006">
               <mc:Choice xmlns:v="urn:schemas-microsoft-com:vml" Requires="v">
-                <p:oleObj spid="_x0000_s2055" name="Equation" r:id="rId3" imgW="3276360" imgH="406080" progId="Equation.3">
+                <p:oleObj spid="_x0000_s2052" name="Equation" r:id="rId3" imgW="3276360" imgH="406080" progId="Equation.3">
                   <p:embed/>
                 </p:oleObj>
               </mc:Choice>
@@ -8044,6 +8433,13 @@
   <p:clrMapOvr>
     <a:masterClrMapping/>
   </p:clrMapOvr>
+  <p:timing>
+    <p:tnLst>
+      <p:par>
+        <p:cTn id="1" dur="indefinite" restart="never" nodeType="tmRoot"/>
+      </p:par>
+    </p:tnLst>
+  </p:timing>
 </p:sld>
 </file>
 
